--- a/01.Introduction.pptx
+++ b/01.Introduction.pptx
@@ -4403,7 +4403,7 @@
           <a:p>
             <a:pPr algn="ctr" eaLnBrk="1" hangingPunct="1"/>
             <a:r>
-              <a:rPr lang="en-US" sz="2800" dirty="0">
+              <a:rPr lang="en-US" sz="2800" b="1" dirty="0">
                 <a:solidFill>
                   <a:srgbClr val="C00000"/>
                 </a:solidFill>
@@ -4411,10 +4411,10 @@
               <a:t>Topic 1</a:t>
             </a:r>
             <a:br>
-              <a:rPr lang="en-US" b="0" dirty="0"/>
+              <a:rPr lang="en-US" b="1" dirty="0"/>
             </a:br>
             <a:r>
-              <a:rPr lang="en-US" sz="3200" dirty="0">
+              <a:rPr lang="en-US" sz="3200" b="1" dirty="0">
                 <a:solidFill>
                   <a:srgbClr val="0000FF"/>
                 </a:solidFill>

--- a/01.Introduction.pptx
+++ b/01.Introduction.pptx
@@ -11110,62 +11110,32 @@
       </p:grpSpPr>
       <p:pic>
         <p:nvPicPr>
-          <p:cNvPr id="10" name="Picture 2">
+          <p:cNvPr id="3" name="Picture 2">
             <a:extLst>
               <a:ext uri="{FF2B5EF4-FFF2-40B4-BE49-F238E27FC236}">
-                <a16:creationId xmlns:a16="http://schemas.microsoft.com/office/drawing/2014/main" id="{676A2D86-D0EE-467E-8A58-0F54E2313CF2}"/>
+                <a16:creationId xmlns:a16="http://schemas.microsoft.com/office/drawing/2014/main" id="{6B4D67EB-B5B6-4B9B-8187-B8E9AF98217C}"/>
               </a:ext>
             </a:extLst>
           </p:cNvPr>
           <p:cNvPicPr>
-            <a:picLocks noChangeAspect="1" noChangeArrowheads="1"/>
+            <a:picLocks noChangeAspect="1"/>
           </p:cNvPicPr>
           <p:nvPr/>
         </p:nvPicPr>
         <p:blipFill>
-          <a:blip r:embed="rId2">
-            <a:extLst>
-              <a:ext uri="{28A0092B-C50C-407E-A947-70E740481C1C}">
-                <a14:useLocalDpi xmlns:a14="http://schemas.microsoft.com/office/drawing/2010/main" val="0"/>
-              </a:ext>
-            </a:extLst>
-          </a:blip>
-          <a:srcRect/>
+          <a:blip r:embed="rId2"/>
           <a:stretch>
             <a:fillRect/>
           </a:stretch>
         </p:blipFill>
-        <p:spPr bwMode="auto">
-          <a:xfrm>
-            <a:off x="228600" y="1449460"/>
-            <a:ext cx="5537273" cy="5192132"/>
+        <p:spPr>
+          <a:xfrm>
+            <a:off x="179816" y="1463926"/>
+            <a:ext cx="5534025" cy="5191125"/>
           </a:xfrm>
           <a:prstGeom prst="rect">
             <a:avLst/>
           </a:prstGeom>
-          <a:noFill/>
-          <a:ln>
-            <a:noFill/>
-          </a:ln>
-          <a:extLst>
-            <a:ext uri="{909E8E84-426E-40DD-AFC4-6F175D3DCCD1}">
-              <a14:hiddenFill xmlns:a14="http://schemas.microsoft.com/office/drawing/2010/main">
-                <a:solidFill>
-                  <a:schemeClr val="accent1"/>
-                </a:solidFill>
-              </a14:hiddenFill>
-            </a:ext>
-            <a:ext uri="{91240B29-F687-4F45-9708-019B960494DF}">
-              <a14:hiddenLine xmlns:a14="http://schemas.microsoft.com/office/drawing/2010/main" w="9525">
-                <a:solidFill>
-                  <a:schemeClr val="tx1"/>
-                </a:solidFill>
-                <a:miter lim="800000"/>
-                <a:headEnd/>
-                <a:tailEnd/>
-              </a14:hiddenLine>
-            </a:ext>
-          </a:extLst>
         </p:spPr>
       </p:pic>
       <p:sp>
